--- a/img/dmcal.pptx
+++ b/img/dmcal.pptx
@@ -3244,7 +3244,7 @@
               <a:buFont typeface="Arial" charset="0"/>
               <a:buChar char="•"/>
             </a:pPr>
-            <a:endParaRPr lang="en-US">
+            <a:endParaRPr lang="en-US" dirty="0">
               <a:solidFill>
                 <a:srgbClr val="333333"/>
               </a:solidFill>
@@ -3258,18 +3258,6 @@
               <a:buFont typeface="Arial" charset="0"/>
               <a:buChar char="•"/>
             </a:pPr>
-            <a:r>
-              <a:rPr lang="en-US" b="0" i="0" smtClean="0">
-                <a:solidFill>
-                  <a:srgbClr val="333333"/>
-                </a:solidFill>
-                <a:effectLst/>
-                <a:latin typeface="Helvetica" charset="0"/>
-                <a:ea typeface="Helvetica" charset="0"/>
-                <a:cs typeface="Helvetica" charset="0"/>
-              </a:rPr>
-              <a:t>App </a:t>
-            </a:r>
             <a:r>
               <a:rPr lang="en-US" b="0" i="0" dirty="0" smtClean="0">
                 <a:solidFill>
@@ -3280,7 +3268,7 @@
                 <a:ea typeface="Helvetica" charset="0"/>
                 <a:cs typeface="Helvetica" charset="0"/>
               </a:rPr>
-              <a:t>sends two types of notifications: committee member reminders to complete tasks and custom notifications from executive co-chairs.</a:t>
+              <a:t>App sends two types of notifications: committee member reminders to complete tasks and custom notifications from executive co-chairs.</a:t>
             </a:r>
             <a:endParaRPr lang="en-US" dirty="0">
               <a:latin typeface="Helvetica" charset="0"/>
